--- a/docs/grok_anonymity.pptx
+++ b/docs/grok_anonymity.pptx
@@ -7732,7 +7732,7 @@
                 <a:ea typeface="DejaVu Serif"/>
                 <a:cs typeface="DejaVu Serif"/>
               </a:rPr>
-              <a:t> в цепочки маршрутизации</a:t>
+              <a:t> в цепочке маршрутизации</a:t>
             </a:r>
             <a:endParaRPr lang="ru-RU" sz="2800" b="0">
               <a:solidFill>
@@ -9526,7 +9526,7 @@
         <p:spPr bwMode="auto">
           <a:xfrm flipH="0" flipV="0">
             <a:off x="7072355" y="1179418"/>
-            <a:ext cx="4836489" cy="4663799"/>
+            <a:ext cx="4836489" cy="4663798"/>
           </a:xfrm>
           <a:prstGeom prst="rect">
             <a:avLst/>
@@ -9613,7 +9613,7 @@
         <p:spPr bwMode="auto">
           <a:xfrm flipH="0" flipV="0">
             <a:off x="5203990" y="2253027"/>
-            <a:ext cx="6209567" cy="2582741"/>
+            <a:ext cx="6209567" cy="2582740"/>
           </a:xfrm>
         </p:spPr>
         <p:txBody>
@@ -9842,7 +9842,7 @@
         <p:spPr bwMode="auto">
           <a:xfrm flipH="0" flipV="0">
             <a:off x="679614" y="1179418"/>
-            <a:ext cx="4837568" cy="4663799"/>
+            <a:ext cx="4837568" cy="4663798"/>
           </a:xfrm>
           <a:prstGeom prst="rect">
             <a:avLst/>
@@ -14690,7 +14690,7 @@
         </p:blipFill>
         <p:spPr bwMode="auto">
           <a:xfrm>
-            <a:off x="152399" y="1221397"/>
+            <a:off x="152399" y="1221396"/>
             <a:ext cx="11887200" cy="2152649"/>
           </a:xfrm>
           <a:prstGeom prst="rect">
@@ -14748,7 +14748,7 @@
         </p:nvSpPr>
         <p:spPr bwMode="auto">
           <a:xfrm flipH="0" flipV="0">
-            <a:off x="2236586" y="2494816"/>
+            <a:off x="2236586" y="2494815"/>
             <a:ext cx="7711585" cy="1868364"/>
           </a:xfrm>
         </p:spPr>
@@ -18939,8 +18939,8 @@
         </p:blipFill>
         <p:spPr bwMode="auto">
           <a:xfrm flipH="0" flipV="0">
-            <a:off x="7484422" y="1870563"/>
-            <a:ext cx="4724949" cy="3441455"/>
+            <a:off x="7484422" y="1870562"/>
+            <a:ext cx="4724949" cy="3441454"/>
           </a:xfrm>
           <a:prstGeom prst="rect">
             <a:avLst/>

--- a/docs/grok_anonymity.pptx
+++ b/docs/grok_anonymity.pptx
@@ -13504,32 +13504,6 @@
               </a:rPr>
               <a:t>|T|&gt;=</a:t>
             </a:r>
-            <mc:AlternateContent xmlns:mc="http://schemas.openxmlformats.org/markup-compatibility/2006" xmlns:m="http://schemas.openxmlformats.org/officeDocument/2006/math">
-              <mc:Choice xmlns:a14="http://schemas.microsoft.com/office/drawing/2010/main" Requires="a14">
-                <a14:m>
-                  <m:oMathPara>
-                    <m:oMathParaPr/>
-                    <m:oMath>
-                      <m:r>
-                        <m:rPr>
-                          <m:sty m:val="b"/>
-                        </m:rPr>
-                        <a:rPr lang="ru-RU" sz="2800" u="none" strike="noStrike" cap="none" spc="0">
-                          <a:solidFill>
-                            <a:schemeClr val="bg1"/>
-                          </a:solidFill>
-                          <a:latin typeface="Cambria Math"/>
-                          <a:ea typeface="Cambria Math"/>
-                          <a:cs typeface="Cambria Math"/>
-                        </a:rPr>
-                        <m:t>≥</m:t>
-                      </m:r>
-                    </m:oMath>
-                  </m:oMathPara>
-                </a14:m>
-              </mc:Choice>
-              <mc:Fallback/>
-            </mc:AlternateContent>
             <a:r>
               <a:rPr lang="ru-RU" sz="2800" b="1" i="0" u="none" strike="noStrike" cap="none" spc="0">
                 <a:solidFill>
@@ -14013,7 +13987,7 @@
                 <a:ea typeface="DejaVu Serif"/>
                 <a:cs typeface="DejaVu Serif"/>
               </a:rPr>
-              <a:t>&lt;=N</a:t>
+              <a:t>&lt;N</a:t>
             </a:r>
             <a:r>
               <a:rPr lang="ru-RU" sz="2800" b="0">
@@ -14509,7 +14483,7 @@
                 <a:ea typeface="DejaVu Serif"/>
                 <a:cs typeface="DejaVu Serif"/>
               </a:rPr>
-              <a:t>&lt;=N</a:t>
+              <a:t>&lt;N</a:t>
             </a:r>
             <a:r>
               <a:rPr lang="ru-RU" sz="2800" b="1" i="0" u="none" strike="noStrike" cap="none" spc="0">
@@ -15525,8 +15499,8 @@
         </p:nvSpPr>
         <p:spPr bwMode="auto">
           <a:xfrm flipH="0" flipV="0">
-            <a:off x="778436" y="1978269"/>
-            <a:ext cx="10415313" cy="3608509"/>
+            <a:off x="606345" y="1978268"/>
+            <a:ext cx="10825528" cy="3608508"/>
           </a:xfrm>
         </p:spPr>
         <p:txBody>
@@ -15774,6 +15748,39 @@
               <a:defRPr/>
             </a:pPr>
             <a:r>
+              <a:rPr lang="ru-RU" sz="2800" b="1" i="0" u="none" strike="noStrike" cap="none" spc="0">
+                <a:solidFill>
+                  <a:schemeClr val="bg1"/>
+                </a:solidFill>
+                <a:latin typeface="DejaVu Serif"/>
+                <a:ea typeface="DejaVu Serif"/>
+                <a:cs typeface="DejaVu Serif"/>
+              </a:rPr>
+              <a:t>lim|A</a:t>
+            </a:r>
+            <a:r>
+              <a:rPr lang="ru-RU" sz="2800" b="1" i="0" u="none" strike="noStrike" cap="none" spc="0">
+                <a:solidFill>
+                  <a:schemeClr val="bg1"/>
+                </a:solidFill>
+                <a:latin typeface="DejaVu Serif"/>
+                <a:ea typeface="DejaVu Serif"/>
+                <a:cs typeface="DejaVu Serif"/>
+              </a:rPr>
+              <a:t>|</a:t>
+            </a:r>
+            <a:r>
+              <a:rPr lang="ru-RU" sz="2800" b="1" i="1" u="none" strike="noStrike" cap="none" spc="0">
+                <a:solidFill>
+                  <a:schemeClr val="bg1"/>
+                </a:solidFill>
+                <a:latin typeface="DejaVu Serif"/>
+                <a:ea typeface="DejaVu Serif"/>
+                <a:cs typeface="DejaVu Serif"/>
+              </a:rPr>
+              <a:t>→N</a:t>
+            </a:r>
+            <a:r>
               <a:rPr lang="ru-RU" sz="2800" b="1">
                 <a:solidFill>
                   <a:schemeClr val="bg1"/>
@@ -15782,7 +15789,7 @@
                 <a:ea typeface="DejaVu Serif"/>
                 <a:cs typeface="DejaVu Serif"/>
               </a:rPr>
-              <a:t>|A|=N, </a:t>
+              <a:t>-1, </a:t>
             </a:r>
             <a:r>
               <a:rPr lang="ru-RU" sz="2800" b="1" i="0" u="none" strike="noStrike" cap="none" spc="0">
@@ -15793,7 +15800,7 @@
                 <a:ea typeface="DejaVu Serif"/>
                 <a:cs typeface="DejaVu Serif"/>
               </a:rPr>
-              <a:t>|T|=N</a:t>
+              <a:t>|T|=N-1</a:t>
             </a:r>
             <a:r>
               <a:rPr lang="ru-RU" sz="2800" b="1">
@@ -16372,7 +16379,7 @@
                 <a:ea typeface="DejaVu Serif"/>
                 <a:cs typeface="DejaVu Serif"/>
               </a:rPr>
-              <a:t>&lt;=N</a:t>
+              <a:t>&lt;N</a:t>
             </a:r>
             <a:r>
               <a:rPr lang="ru-RU" sz="2800" b="1">
